--- a/presentacion/actividadbem.pptx
+++ b/presentacion/actividadbem.pptx
@@ -239,7 +239,7 @@
           <a:p>
             <a:fld id="{88369B9F-131C-2846-AB8F-CEE154B4CAEB}" type="datetimeFigureOut">
               <a:rPr lang="es-CO" smtClean="0"/>
-              <a:t>12/07/2025</a:t>
+              <a:t>16/07/2025</a:t>
             </a:fld>
             <a:endParaRPr lang="es-CO"/>
           </a:p>
@@ -416,7 +416,7 @@
           <a:p>
             <a:fld id="{9660CB96-A603-FF42-AE46-F5F75F80A67B}" type="datetimeFigureOut">
               <a:rPr lang="es-CO" smtClean="0"/>
-              <a:t>12/07/2025</a:t>
+              <a:t>16/07/2025</a:t>
             </a:fld>
             <a:endParaRPr lang="es-CO"/>
           </a:p>
@@ -833,7 +833,7 @@
           <a:p>
             <a:fld id="{BD986248-06F7-A441-A47A-264EBD310E11}" type="datetimeFigureOut">
               <a:rPr lang="es-CO" smtClean="0"/>
-              <a:t>12/07/2025</a:t>
+              <a:t>16/07/2025</a:t>
             </a:fld>
             <a:endParaRPr lang="es-CO"/>
           </a:p>
@@ -1033,7 +1033,7 @@
           <a:p>
             <a:fld id="{BD986248-06F7-A441-A47A-264EBD310E11}" type="datetimeFigureOut">
               <a:rPr lang="es-CO" smtClean="0"/>
-              <a:t>12/07/2025</a:t>
+              <a:t>16/07/2025</a:t>
             </a:fld>
             <a:endParaRPr lang="es-CO"/>
           </a:p>
@@ -1243,7 +1243,7 @@
           <a:p>
             <a:fld id="{BD986248-06F7-A441-A47A-264EBD310E11}" type="datetimeFigureOut">
               <a:rPr lang="es-CO" smtClean="0"/>
-              <a:t>12/07/2025</a:t>
+              <a:t>16/07/2025</a:t>
             </a:fld>
             <a:endParaRPr lang="es-CO"/>
           </a:p>
@@ -1404,7 +1404,7 @@
           <a:p>
             <a:fld id="{BD986248-06F7-A441-A47A-264EBD310E11}" type="datetimeFigureOut">
               <a:rPr lang="es-CO" smtClean="0"/>
-              <a:t>12/07/2025</a:t>
+              <a:t>16/07/2025</a:t>
             </a:fld>
             <a:endParaRPr lang="es-CO"/>
           </a:p>
@@ -1604,7 +1604,7 @@
           <a:p>
             <a:fld id="{BD986248-06F7-A441-A47A-264EBD310E11}" type="datetimeFigureOut">
               <a:rPr lang="es-CO" smtClean="0"/>
-              <a:t>12/07/2025</a:t>
+              <a:t>16/07/2025</a:t>
             </a:fld>
             <a:endParaRPr lang="es-CO"/>
           </a:p>
@@ -1880,7 +1880,7 @@
           <a:p>
             <a:fld id="{BD986248-06F7-A441-A47A-264EBD310E11}" type="datetimeFigureOut">
               <a:rPr lang="es-CO" smtClean="0"/>
-              <a:t>12/07/2025</a:t>
+              <a:t>16/07/2025</a:t>
             </a:fld>
             <a:endParaRPr lang="es-CO"/>
           </a:p>
@@ -2148,7 +2148,7 @@
           <a:p>
             <a:fld id="{BD986248-06F7-A441-A47A-264EBD310E11}" type="datetimeFigureOut">
               <a:rPr lang="es-CO" smtClean="0"/>
-              <a:t>12/07/2025</a:t>
+              <a:t>16/07/2025</a:t>
             </a:fld>
             <a:endParaRPr lang="es-CO"/>
           </a:p>
@@ -2563,7 +2563,7 @@
           <a:p>
             <a:fld id="{BD986248-06F7-A441-A47A-264EBD310E11}" type="datetimeFigureOut">
               <a:rPr lang="es-CO" smtClean="0"/>
-              <a:t>12/07/2025</a:t>
+              <a:t>16/07/2025</a:t>
             </a:fld>
             <a:endParaRPr lang="es-CO"/>
           </a:p>
@@ -2705,7 +2705,7 @@
           <a:p>
             <a:fld id="{BD986248-06F7-A441-A47A-264EBD310E11}" type="datetimeFigureOut">
               <a:rPr lang="es-CO" smtClean="0"/>
-              <a:t>12/07/2025</a:t>
+              <a:t>16/07/2025</a:t>
             </a:fld>
             <a:endParaRPr lang="es-CO"/>
           </a:p>
@@ -2818,7 +2818,7 @@
           <a:p>
             <a:fld id="{BD986248-06F7-A441-A47A-264EBD310E11}" type="datetimeFigureOut">
               <a:rPr lang="es-CO" smtClean="0"/>
-              <a:t>12/07/2025</a:t>
+              <a:t>16/07/2025</a:t>
             </a:fld>
             <a:endParaRPr lang="es-CO"/>
           </a:p>
@@ -3147,7 +3147,7 @@
           <a:p>
             <a:fld id="{BD986248-06F7-A441-A47A-264EBD310E11}" type="datetimeFigureOut">
               <a:rPr lang="es-CO" smtClean="0"/>
-              <a:t>12/07/2025</a:t>
+              <a:t>16/07/2025</a:t>
             </a:fld>
             <a:endParaRPr lang="es-CO"/>
           </a:p>
@@ -3436,7 +3436,7 @@
           <a:p>
             <a:fld id="{BD986248-06F7-A441-A47A-264EBD310E11}" type="datetimeFigureOut">
               <a:rPr lang="es-CO" smtClean="0"/>
-              <a:t>12/07/2025</a:t>
+              <a:t>16/07/2025</a:t>
             </a:fld>
             <a:endParaRPr lang="es-CO"/>
           </a:p>
@@ -3679,7 +3679,7 @@
           <a:p>
             <a:fld id="{BD986248-06F7-A441-A47A-264EBD310E11}" type="datetimeFigureOut">
               <a:rPr lang="es-CO" smtClean="0"/>
-              <a:t>12/07/2025</a:t>
+              <a:t>16/07/2025</a:t>
             </a:fld>
             <a:endParaRPr lang="es-CO"/>
           </a:p>
@@ -4441,7 +4441,6 @@
               <a:rPr lang="en-US" sz="6000" b="1" dirty="0"/>
               <a:t>💡 ¿Qué es la metodología BEM?</a:t>
             </a:r>
-            <a:endParaRPr lang="en-US" sz="6000" b="1" dirty="0"/>
           </a:p>
         </p:txBody>
       </p:sp>
@@ -4743,7 +4742,7 @@
       </p:grpSpPr>
       <p:pic>
         <p:nvPicPr>
-          <p:cNvPr id="5" name="Imagen 4"/>
+          <p:cNvPr id="3" name="Imagen 2"/>
           <p:cNvPicPr>
             <a:picLocks noChangeAspect="1"/>
           </p:cNvPicPr>
@@ -4757,8 +4756,8 @@
         </p:blipFill>
         <p:spPr>
           <a:xfrm>
-            <a:off x="1059791" y="363237"/>
-            <a:ext cx="9311200" cy="3331434"/>
+            <a:off x="958936" y="395537"/>
+            <a:ext cx="9567720" cy="3419354"/>
           </a:xfrm>
           <a:prstGeom prst="rect">
             <a:avLst/>
@@ -4767,7 +4766,7 @@
       </p:pic>
       <p:pic>
         <p:nvPicPr>
-          <p:cNvPr id="6" name="Imagen 5"/>
+          <p:cNvPr id="8" name="Imagen 7"/>
           <p:cNvPicPr>
             <a:picLocks noChangeAspect="1"/>
           </p:cNvPicPr>
@@ -4781,8 +4780,8 @@
         </p:blipFill>
         <p:spPr>
           <a:xfrm>
-            <a:off x="1059791" y="3814891"/>
-            <a:ext cx="8267700" cy="2692589"/>
+            <a:off x="958936" y="3814891"/>
+            <a:ext cx="10350500" cy="2587625"/>
           </a:xfrm>
           <a:prstGeom prst="rect">
             <a:avLst/>
@@ -4835,22 +4834,52 @@
       </p:grpSpPr>
       <p:pic>
         <p:nvPicPr>
-          <p:cNvPr id="5" name="Imagen 4"/>
+          <p:cNvPr id="10" name="Imagen 9"/>
           <p:cNvPicPr>
             <a:picLocks noChangeAspect="1"/>
           </p:cNvPicPr>
           <p:nvPr/>
         </p:nvPicPr>
         <p:blipFill>
-          <a:blip r:embed="rId3"/>
+          <a:blip r:embed="rId3">
+            <a:extLst>
+              <a:ext uri="{28A0092B-C50C-407E-A947-70E740481C1C}">
+                <a14:useLocalDpi xmlns:a14="http://schemas.microsoft.com/office/drawing/2010/main" val="0"/>
+              </a:ext>
+            </a:extLst>
+          </a:blip>
           <a:stretch>
             <a:fillRect/>
           </a:stretch>
         </p:blipFill>
         <p:spPr>
           <a:xfrm>
-            <a:off x="321417" y="334562"/>
-            <a:ext cx="10603257" cy="5794389"/>
+            <a:off x="185352" y="105014"/>
+            <a:ext cx="11738919" cy="4670891"/>
+          </a:xfrm>
+          <a:prstGeom prst="rect">
+            <a:avLst/>
+          </a:prstGeom>
+        </p:spPr>
+      </p:pic>
+      <p:pic>
+        <p:nvPicPr>
+          <p:cNvPr id="12" name="Imagen 11"/>
+          <p:cNvPicPr>
+            <a:picLocks noChangeAspect="1"/>
+          </p:cNvPicPr>
+          <p:nvPr/>
+        </p:nvPicPr>
+        <p:blipFill>
+          <a:blip r:embed="rId4"/>
+          <a:stretch>
+            <a:fillRect/>
+          </a:stretch>
+        </p:blipFill>
+        <p:spPr>
+          <a:xfrm>
+            <a:off x="1328352" y="4364853"/>
+            <a:ext cx="9452918" cy="2365894"/>
           </a:xfrm>
           <a:prstGeom prst="rect">
             <a:avLst/>
@@ -5065,7 +5094,7 @@
       </p:grpSpPr>
       <p:pic>
         <p:nvPicPr>
-          <p:cNvPr id="3" name="Imagen 2"/>
+          <p:cNvPr id="5" name="Imagen 4"/>
           <p:cNvPicPr>
             <a:picLocks noChangeAspect="1"/>
           </p:cNvPicPr>
@@ -5079,8 +5108,8 @@
         </p:blipFill>
         <p:spPr>
           <a:xfrm>
-            <a:off x="316406" y="249170"/>
-            <a:ext cx="3106072" cy="6386230"/>
+            <a:off x="147938" y="110437"/>
+            <a:ext cx="3855651" cy="6339790"/>
           </a:xfrm>
           <a:prstGeom prst="rect">
             <a:avLst/>
@@ -5089,7 +5118,7 @@
       </p:pic>
       <p:pic>
         <p:nvPicPr>
-          <p:cNvPr id="2" name="Imagen 1"/>
+          <p:cNvPr id="6" name="Imagen 5"/>
           <p:cNvPicPr>
             <a:picLocks noChangeAspect="1"/>
           </p:cNvPicPr>
@@ -5103,8 +5132,8 @@
         </p:blipFill>
         <p:spPr>
           <a:xfrm>
-            <a:off x="3625678" y="249170"/>
-            <a:ext cx="3561820" cy="3852930"/>
+            <a:off x="3683852" y="110437"/>
+            <a:ext cx="4026582" cy="5104114"/>
           </a:xfrm>
           <a:prstGeom prst="rect">
             <a:avLst/>
@@ -5113,7 +5142,7 @@
       </p:pic>
       <p:pic>
         <p:nvPicPr>
-          <p:cNvPr id="4" name="Imagen 3"/>
+          <p:cNvPr id="8" name="Imagen 7"/>
           <p:cNvPicPr>
             <a:picLocks noChangeAspect="1"/>
           </p:cNvPicPr>
@@ -5127,8 +5156,8 @@
         </p:blipFill>
         <p:spPr>
           <a:xfrm>
-            <a:off x="7390697" y="249170"/>
-            <a:ext cx="3638025" cy="6386230"/>
+            <a:off x="7348447" y="102456"/>
+            <a:ext cx="3897901" cy="6533121"/>
           </a:xfrm>
           <a:prstGeom prst="rect">
             <a:avLst/>
@@ -5195,8 +5224,32 @@
         </p:blipFill>
         <p:spPr>
           <a:xfrm>
-            <a:off x="3835400" y="628650"/>
+            <a:off x="5911335" y="851072"/>
             <a:ext cx="4267200" cy="5050420"/>
+          </a:xfrm>
+          <a:prstGeom prst="rect">
+            <a:avLst/>
+          </a:prstGeom>
+        </p:spPr>
+      </p:pic>
+      <p:pic>
+        <p:nvPicPr>
+          <p:cNvPr id="2" name="Imagen 1"/>
+          <p:cNvPicPr>
+            <a:picLocks noChangeAspect="1"/>
+          </p:cNvPicPr>
+          <p:nvPr/>
+        </p:nvPicPr>
+        <p:blipFill>
+          <a:blip r:embed="rId4"/>
+          <a:stretch>
+            <a:fillRect/>
+          </a:stretch>
+        </p:blipFill>
+        <p:spPr>
+          <a:xfrm>
+            <a:off x="1501345" y="555981"/>
+            <a:ext cx="3629158" cy="5640602"/>
           </a:xfrm>
           <a:prstGeom prst="rect">
             <a:avLst/>
